--- a/Introduction to Java Concurrency/Introduction to Java Concurrency.pptx
+++ b/Introduction to Java Concurrency/Introduction to Java Concurrency.pptx
@@ -20,21 +20,25 @@
     <p:sldId id="264" r:id="rId15"/>
     <p:sldId id="265" r:id="rId16"/>
     <p:sldId id="266" r:id="rId17"/>
+    <p:sldId id="267" r:id="rId18"/>
+    <p:sldId id="268" r:id="rId19"/>
+    <p:sldId id="269" r:id="rId20"/>
+    <p:sldId id="270" r:id="rId21"/>
   </p:sldIdLst>
   <p:sldSz cy="5143500" cx="9144000"/>
   <p:notesSz cx="6858000" cy="9144000"/>
   <p:embeddedFontLst>
     <p:embeddedFont>
       <p:font typeface="Roboto Slab"/>
-      <p:regular r:id="rId18"/>
-      <p:bold r:id="rId19"/>
+      <p:regular r:id="rId22"/>
+      <p:bold r:id="rId23"/>
     </p:embeddedFont>
     <p:embeddedFont>
       <p:font typeface="Roboto"/>
-      <p:regular r:id="rId20"/>
-      <p:bold r:id="rId21"/>
-      <p:italic r:id="rId22"/>
-      <p:boldItalic r:id="rId23"/>
+      <p:regular r:id="rId24"/>
+      <p:bold r:id="rId25"/>
+      <p:italic r:id="rId26"/>
+      <p:boldItalic r:id="rId27"/>
     </p:embeddedFont>
   </p:embeddedFontLst>
   <p:defaultTextStyle>
@@ -962,6 +966,402 @@
       <p:sp>
         <p:nvSpPr>
           <p:cNvPr id="138" name="Google Shape;138;g59e2451553_0_931:notes"/>
+          <p:cNvSpPr txBox="1"/>
+          <p:nvPr>
+            <p:ph idx="1" type="body"/>
+          </p:nvPr>
+        </p:nvSpPr>
+        <p:spPr>
+          <a:xfrm>
+            <a:off x="685800" y="4343400"/>
+            <a:ext cx="5486400" cy="4114800"/>
+          </a:xfrm>
+          <a:prstGeom prst="rect">
+            <a:avLst/>
+          </a:prstGeom>
+        </p:spPr>
+        <p:txBody>
+          <a:bodyPr anchorCtr="0" anchor="t" bIns="91425" lIns="91425" spcFirstLastPara="1" rIns="91425" wrap="square" tIns="91425">
+            <a:noAutofit/>
+          </a:bodyPr>
+          <a:lstStyle/>
+          <a:p>
+            <a:pPr indent="0" lvl="0" marL="0" rtl="0" algn="l">
+              <a:spcBef>
+                <a:spcPts val="0"/>
+              </a:spcBef>
+              <a:spcAft>
+                <a:spcPts val="0"/>
+              </a:spcAft>
+              <a:buNone/>
+            </a:pPr>
+            <a:r>
+              <a:t/>
+            </a:r>
+            <a:endParaRPr/>
+          </a:p>
+        </p:txBody>
+      </p:sp>
+    </p:spTree>
+  </p:cSld>
+  <p:clrMapOvr>
+    <a:masterClrMapping/>
+  </p:clrMapOvr>
+</p:notes>
+</file>
+
+<file path=ppt/notesSlides/notesSlide12.xml><?xml version="1.0" encoding="utf-8"?>
+<p:notes xmlns:a="http://schemas.openxmlformats.org/drawingml/2006/main" xmlns:r="http://schemas.openxmlformats.org/officeDocument/2006/relationships" xmlns:mc="http://schemas.openxmlformats.org/markup-compatibility/2006" xmlns:mv="urn:schemas-microsoft-com:mac:vml" xmlns:p="http://schemas.openxmlformats.org/presentationml/2006/main" xmlns:c="http://schemas.openxmlformats.org/drawingml/2006/chart" xmlns:dgm="http://schemas.openxmlformats.org/drawingml/2006/diagram" xmlns:o="urn:schemas-microsoft-com:office:office" xmlns:v="urn:schemas-microsoft-com:vml" xmlns:pvml="urn:schemas-microsoft-com:office:powerpoint" xmlns:com="http://schemas.openxmlformats.org/drawingml/2006/compatibility" xmlns:p14="http://schemas.microsoft.com/office/powerpoint/2010/main" xmlns:p15="http://schemas.microsoft.com/office/powerpoint/2012/main" showMasterPhAnim="0" showMasterSp="0">
+  <p:cSld>
+    <p:spTree>
+      <p:nvGrpSpPr>
+        <p:cNvPr id="142" name="Shape 142"/>
+        <p:cNvGrpSpPr/>
+        <p:nvPr/>
+      </p:nvGrpSpPr>
+      <p:grpSpPr>
+        <a:xfrm>
+          <a:off x="0" y="0"/>
+          <a:ext cx="0" cy="0"/>
+          <a:chOff x="0" y="0"/>
+          <a:chExt cx="0" cy="0"/>
+        </a:xfrm>
+      </p:grpSpPr>
+      <p:sp>
+        <p:nvSpPr>
+          <p:cNvPr id="143" name="Google Shape;143;g59ef724479_0_0:notes"/>
+          <p:cNvSpPr/>
+          <p:nvPr>
+            <p:ph idx="2" type="sldImg"/>
+          </p:nvPr>
+        </p:nvSpPr>
+        <p:spPr>
+          <a:xfrm>
+            <a:off x="381300" y="685800"/>
+            <a:ext cx="6096000" cy="3429000"/>
+          </a:xfrm>
+          <a:custGeom>
+            <a:rect b="b" l="l" r="r" t="t"/>
+            <a:pathLst>
+              <a:path extrusionOk="0" h="120000" w="120000">
+                <a:moveTo>
+                  <a:pt x="0" y="0"/>
+                </a:moveTo>
+                <a:lnTo>
+                  <a:pt x="120000" y="0"/>
+                </a:lnTo>
+                <a:lnTo>
+                  <a:pt x="120000" y="120000"/>
+                </a:lnTo>
+                <a:lnTo>
+                  <a:pt x="0" y="120000"/>
+                </a:lnTo>
+                <a:close/>
+              </a:path>
+            </a:pathLst>
+          </a:custGeom>
+        </p:spPr>
+      </p:sp>
+      <p:sp>
+        <p:nvSpPr>
+          <p:cNvPr id="144" name="Google Shape;144;g59ef724479_0_0:notes"/>
+          <p:cNvSpPr txBox="1"/>
+          <p:nvPr>
+            <p:ph idx="1" type="body"/>
+          </p:nvPr>
+        </p:nvSpPr>
+        <p:spPr>
+          <a:xfrm>
+            <a:off x="685800" y="4343400"/>
+            <a:ext cx="5486400" cy="4114800"/>
+          </a:xfrm>
+          <a:prstGeom prst="rect">
+            <a:avLst/>
+          </a:prstGeom>
+        </p:spPr>
+        <p:txBody>
+          <a:bodyPr anchorCtr="0" anchor="t" bIns="91425" lIns="91425" spcFirstLastPara="1" rIns="91425" wrap="square" tIns="91425">
+            <a:noAutofit/>
+          </a:bodyPr>
+          <a:lstStyle/>
+          <a:p>
+            <a:pPr indent="0" lvl="0" marL="0" rtl="0" algn="l">
+              <a:spcBef>
+                <a:spcPts val="0"/>
+              </a:spcBef>
+              <a:spcAft>
+                <a:spcPts val="0"/>
+              </a:spcAft>
+              <a:buNone/>
+            </a:pPr>
+            <a:r>
+              <a:t/>
+            </a:r>
+            <a:endParaRPr/>
+          </a:p>
+        </p:txBody>
+      </p:sp>
+    </p:spTree>
+  </p:cSld>
+  <p:clrMapOvr>
+    <a:masterClrMapping/>
+  </p:clrMapOvr>
+</p:notes>
+</file>
+
+<file path=ppt/notesSlides/notesSlide13.xml><?xml version="1.0" encoding="utf-8"?>
+<p:notes xmlns:a="http://schemas.openxmlformats.org/drawingml/2006/main" xmlns:r="http://schemas.openxmlformats.org/officeDocument/2006/relationships" xmlns:mc="http://schemas.openxmlformats.org/markup-compatibility/2006" xmlns:mv="urn:schemas-microsoft-com:mac:vml" xmlns:p="http://schemas.openxmlformats.org/presentationml/2006/main" xmlns:c="http://schemas.openxmlformats.org/drawingml/2006/chart" xmlns:dgm="http://schemas.openxmlformats.org/drawingml/2006/diagram" xmlns:o="urn:schemas-microsoft-com:office:office" xmlns:v="urn:schemas-microsoft-com:vml" xmlns:pvml="urn:schemas-microsoft-com:office:powerpoint" xmlns:com="http://schemas.openxmlformats.org/drawingml/2006/compatibility" xmlns:p14="http://schemas.microsoft.com/office/powerpoint/2010/main" xmlns:p15="http://schemas.microsoft.com/office/powerpoint/2012/main" showMasterPhAnim="0" showMasterSp="0">
+  <p:cSld>
+    <p:spTree>
+      <p:nvGrpSpPr>
+        <p:cNvPr id="149" name="Shape 149"/>
+        <p:cNvGrpSpPr/>
+        <p:nvPr/>
+      </p:nvGrpSpPr>
+      <p:grpSpPr>
+        <a:xfrm>
+          <a:off x="0" y="0"/>
+          <a:ext cx="0" cy="0"/>
+          <a:chOff x="0" y="0"/>
+          <a:chExt cx="0" cy="0"/>
+        </a:xfrm>
+      </p:grpSpPr>
+      <p:sp>
+        <p:nvSpPr>
+          <p:cNvPr id="150" name="Google Shape;150;g59ef724479_0_11:notes"/>
+          <p:cNvSpPr/>
+          <p:nvPr>
+            <p:ph idx="2" type="sldImg"/>
+          </p:nvPr>
+        </p:nvSpPr>
+        <p:spPr>
+          <a:xfrm>
+            <a:off x="381300" y="685800"/>
+            <a:ext cx="6096000" cy="3429000"/>
+          </a:xfrm>
+          <a:custGeom>
+            <a:rect b="b" l="l" r="r" t="t"/>
+            <a:pathLst>
+              <a:path extrusionOk="0" h="120000" w="120000">
+                <a:moveTo>
+                  <a:pt x="0" y="0"/>
+                </a:moveTo>
+                <a:lnTo>
+                  <a:pt x="120000" y="0"/>
+                </a:lnTo>
+                <a:lnTo>
+                  <a:pt x="120000" y="120000"/>
+                </a:lnTo>
+                <a:lnTo>
+                  <a:pt x="0" y="120000"/>
+                </a:lnTo>
+                <a:close/>
+              </a:path>
+            </a:pathLst>
+          </a:custGeom>
+        </p:spPr>
+      </p:sp>
+      <p:sp>
+        <p:nvSpPr>
+          <p:cNvPr id="151" name="Google Shape;151;g59ef724479_0_11:notes"/>
+          <p:cNvSpPr txBox="1"/>
+          <p:nvPr>
+            <p:ph idx="1" type="body"/>
+          </p:nvPr>
+        </p:nvSpPr>
+        <p:spPr>
+          <a:xfrm>
+            <a:off x="685800" y="4343400"/>
+            <a:ext cx="5486400" cy="4114800"/>
+          </a:xfrm>
+          <a:prstGeom prst="rect">
+            <a:avLst/>
+          </a:prstGeom>
+        </p:spPr>
+        <p:txBody>
+          <a:bodyPr anchorCtr="0" anchor="t" bIns="91425" lIns="91425" spcFirstLastPara="1" rIns="91425" wrap="square" tIns="91425">
+            <a:noAutofit/>
+          </a:bodyPr>
+          <a:lstStyle/>
+          <a:p>
+            <a:pPr indent="0" lvl="0" marL="0" rtl="0" algn="l">
+              <a:spcBef>
+                <a:spcPts val="0"/>
+              </a:spcBef>
+              <a:spcAft>
+                <a:spcPts val="0"/>
+              </a:spcAft>
+              <a:buNone/>
+            </a:pPr>
+            <a:r>
+              <a:t/>
+            </a:r>
+            <a:endParaRPr/>
+          </a:p>
+        </p:txBody>
+      </p:sp>
+    </p:spTree>
+  </p:cSld>
+  <p:clrMapOvr>
+    <a:masterClrMapping/>
+  </p:clrMapOvr>
+</p:notes>
+</file>
+
+<file path=ppt/notesSlides/notesSlide14.xml><?xml version="1.0" encoding="utf-8"?>
+<p:notes xmlns:a="http://schemas.openxmlformats.org/drawingml/2006/main" xmlns:r="http://schemas.openxmlformats.org/officeDocument/2006/relationships" xmlns:mc="http://schemas.openxmlformats.org/markup-compatibility/2006" xmlns:mv="urn:schemas-microsoft-com:mac:vml" xmlns:p="http://schemas.openxmlformats.org/presentationml/2006/main" xmlns:c="http://schemas.openxmlformats.org/drawingml/2006/chart" xmlns:dgm="http://schemas.openxmlformats.org/drawingml/2006/diagram" xmlns:o="urn:schemas-microsoft-com:office:office" xmlns:v="urn:schemas-microsoft-com:vml" xmlns:pvml="urn:schemas-microsoft-com:office:powerpoint" xmlns:com="http://schemas.openxmlformats.org/drawingml/2006/compatibility" xmlns:p14="http://schemas.microsoft.com/office/powerpoint/2010/main" xmlns:p15="http://schemas.microsoft.com/office/powerpoint/2012/main" showMasterPhAnim="0" showMasterSp="0">
+  <p:cSld>
+    <p:spTree>
+      <p:nvGrpSpPr>
+        <p:cNvPr id="156" name="Shape 156"/>
+        <p:cNvGrpSpPr/>
+        <p:nvPr/>
+      </p:nvGrpSpPr>
+      <p:grpSpPr>
+        <a:xfrm>
+          <a:off x="0" y="0"/>
+          <a:ext cx="0" cy="0"/>
+          <a:chOff x="0" y="0"/>
+          <a:chExt cx="0" cy="0"/>
+        </a:xfrm>
+      </p:grpSpPr>
+      <p:sp>
+        <p:nvSpPr>
+          <p:cNvPr id="157" name="Google Shape;157;g59ef724479_0_18:notes"/>
+          <p:cNvSpPr/>
+          <p:nvPr>
+            <p:ph idx="2" type="sldImg"/>
+          </p:nvPr>
+        </p:nvSpPr>
+        <p:spPr>
+          <a:xfrm>
+            <a:off x="381300" y="685800"/>
+            <a:ext cx="6096000" cy="3429000"/>
+          </a:xfrm>
+          <a:custGeom>
+            <a:rect b="b" l="l" r="r" t="t"/>
+            <a:pathLst>
+              <a:path extrusionOk="0" h="120000" w="120000">
+                <a:moveTo>
+                  <a:pt x="0" y="0"/>
+                </a:moveTo>
+                <a:lnTo>
+                  <a:pt x="120000" y="0"/>
+                </a:lnTo>
+                <a:lnTo>
+                  <a:pt x="120000" y="120000"/>
+                </a:lnTo>
+                <a:lnTo>
+                  <a:pt x="0" y="120000"/>
+                </a:lnTo>
+                <a:close/>
+              </a:path>
+            </a:pathLst>
+          </a:custGeom>
+        </p:spPr>
+      </p:sp>
+      <p:sp>
+        <p:nvSpPr>
+          <p:cNvPr id="158" name="Google Shape;158;g59ef724479_0_18:notes"/>
+          <p:cNvSpPr txBox="1"/>
+          <p:nvPr>
+            <p:ph idx="1" type="body"/>
+          </p:nvPr>
+        </p:nvSpPr>
+        <p:spPr>
+          <a:xfrm>
+            <a:off x="685800" y="4343400"/>
+            <a:ext cx="5486400" cy="4114800"/>
+          </a:xfrm>
+          <a:prstGeom prst="rect">
+            <a:avLst/>
+          </a:prstGeom>
+        </p:spPr>
+        <p:txBody>
+          <a:bodyPr anchorCtr="0" anchor="t" bIns="91425" lIns="91425" spcFirstLastPara="1" rIns="91425" wrap="square" tIns="91425">
+            <a:noAutofit/>
+          </a:bodyPr>
+          <a:lstStyle/>
+          <a:p>
+            <a:pPr indent="0" lvl="0" marL="0" rtl="0" algn="l">
+              <a:spcBef>
+                <a:spcPts val="0"/>
+              </a:spcBef>
+              <a:spcAft>
+                <a:spcPts val="0"/>
+              </a:spcAft>
+              <a:buNone/>
+            </a:pPr>
+            <a:r>
+              <a:t/>
+            </a:r>
+            <a:endParaRPr/>
+          </a:p>
+        </p:txBody>
+      </p:sp>
+    </p:spTree>
+  </p:cSld>
+  <p:clrMapOvr>
+    <a:masterClrMapping/>
+  </p:clrMapOvr>
+</p:notes>
+</file>
+
+<file path=ppt/notesSlides/notesSlide15.xml><?xml version="1.0" encoding="utf-8"?>
+<p:notes xmlns:a="http://schemas.openxmlformats.org/drawingml/2006/main" xmlns:r="http://schemas.openxmlformats.org/officeDocument/2006/relationships" xmlns:mc="http://schemas.openxmlformats.org/markup-compatibility/2006" xmlns:mv="urn:schemas-microsoft-com:mac:vml" xmlns:p="http://schemas.openxmlformats.org/presentationml/2006/main" xmlns:c="http://schemas.openxmlformats.org/drawingml/2006/chart" xmlns:dgm="http://schemas.openxmlformats.org/drawingml/2006/diagram" xmlns:o="urn:schemas-microsoft-com:office:office" xmlns:v="urn:schemas-microsoft-com:vml" xmlns:pvml="urn:schemas-microsoft-com:office:powerpoint" xmlns:com="http://schemas.openxmlformats.org/drawingml/2006/compatibility" xmlns:p14="http://schemas.microsoft.com/office/powerpoint/2010/main" xmlns:p15="http://schemas.microsoft.com/office/powerpoint/2012/main" showMasterPhAnim="0" showMasterSp="0">
+  <p:cSld>
+    <p:spTree>
+      <p:nvGrpSpPr>
+        <p:cNvPr id="164" name="Shape 164"/>
+        <p:cNvGrpSpPr/>
+        <p:nvPr/>
+      </p:nvGrpSpPr>
+      <p:grpSpPr>
+        <a:xfrm>
+          <a:off x="0" y="0"/>
+          <a:ext cx="0" cy="0"/>
+          <a:chOff x="0" y="0"/>
+          <a:chExt cx="0" cy="0"/>
+        </a:xfrm>
+      </p:grpSpPr>
+      <p:sp>
+        <p:nvSpPr>
+          <p:cNvPr id="165" name="Google Shape;165;g59ef724479_0_28:notes"/>
+          <p:cNvSpPr/>
+          <p:nvPr>
+            <p:ph idx="2" type="sldImg"/>
+          </p:nvPr>
+        </p:nvSpPr>
+        <p:spPr>
+          <a:xfrm>
+            <a:off x="381300" y="685800"/>
+            <a:ext cx="6096000" cy="3429000"/>
+          </a:xfrm>
+          <a:custGeom>
+            <a:rect b="b" l="l" r="r" t="t"/>
+            <a:pathLst>
+              <a:path extrusionOk="0" h="120000" w="120000">
+                <a:moveTo>
+                  <a:pt x="0" y="0"/>
+                </a:moveTo>
+                <a:lnTo>
+                  <a:pt x="120000" y="0"/>
+                </a:lnTo>
+                <a:lnTo>
+                  <a:pt x="120000" y="120000"/>
+                </a:lnTo>
+                <a:lnTo>
+                  <a:pt x="0" y="120000"/>
+                </a:lnTo>
+                <a:close/>
+              </a:path>
+            </a:pathLst>
+          </a:custGeom>
+        </p:spPr>
+      </p:sp>
+      <p:sp>
+        <p:nvSpPr>
+          <p:cNvPr id="166" name="Google Shape;166;g59ef724479_0_28:notes"/>
           <p:cNvSpPr txBox="1"/>
           <p:nvPr>
             <p:ph idx="1" type="body"/>
@@ -8465,6 +8865,1208 @@
 </p:sld>
 </file>
 
+<file path=ppt/slides/slide12.xml><?xml version="1.0" encoding="utf-8"?>
+<p:sld xmlns:a="http://schemas.openxmlformats.org/drawingml/2006/main" xmlns:r="http://schemas.openxmlformats.org/officeDocument/2006/relationships" xmlns:mc="http://schemas.openxmlformats.org/markup-compatibility/2006" xmlns:mv="urn:schemas-microsoft-com:mac:vml" xmlns:p="http://schemas.openxmlformats.org/presentationml/2006/main" xmlns:c="http://schemas.openxmlformats.org/drawingml/2006/chart" xmlns:dgm="http://schemas.openxmlformats.org/drawingml/2006/diagram" xmlns:o="urn:schemas-microsoft-com:office:office" xmlns:v="urn:schemas-microsoft-com:vml" xmlns:pvml="urn:schemas-microsoft-com:office:powerpoint" xmlns:com="http://schemas.openxmlformats.org/drawingml/2006/compatibility" xmlns:p14="http://schemas.microsoft.com/office/powerpoint/2010/main" xmlns:p15="http://schemas.microsoft.com/office/powerpoint/2012/main">
+  <p:cSld>
+    <p:spTree>
+      <p:nvGrpSpPr>
+        <p:cNvPr id="145" name="Shape 145"/>
+        <p:cNvGrpSpPr/>
+        <p:nvPr/>
+      </p:nvGrpSpPr>
+      <p:grpSpPr>
+        <a:xfrm>
+          <a:off x="0" y="0"/>
+          <a:ext cx="0" cy="0"/>
+          <a:chOff x="0" y="0"/>
+          <a:chExt cx="0" cy="0"/>
+        </a:xfrm>
+      </p:grpSpPr>
+      <p:sp>
+        <p:nvSpPr>
+          <p:cNvPr id="146" name="Google Shape;146;p26"/>
+          <p:cNvSpPr txBox="1"/>
+          <p:nvPr>
+            <p:ph idx="4294967295" type="title"/>
+          </p:nvPr>
+        </p:nvSpPr>
+        <p:spPr>
+          <a:xfrm>
+            <a:off x="535775" y="489125"/>
+            <a:ext cx="7017900" cy="886500"/>
+          </a:xfrm>
+          <a:prstGeom prst="rect">
+            <a:avLst/>
+          </a:prstGeom>
+        </p:spPr>
+        <p:txBody>
+          <a:bodyPr anchorCtr="0" anchor="t" bIns="91425" lIns="91425" spcFirstLastPara="1" rIns="91425" wrap="square" tIns="91425">
+            <a:noAutofit/>
+          </a:bodyPr>
+          <a:lstStyle/>
+          <a:p>
+            <a:pPr indent="0" lvl="0" marL="0" rtl="0" algn="l">
+              <a:lnSpc>
+                <a:spcPct val="115000"/>
+              </a:lnSpc>
+              <a:spcBef>
+                <a:spcPts val="1200"/>
+              </a:spcBef>
+              <a:spcAft>
+                <a:spcPts val="200"/>
+              </a:spcAft>
+              <a:buNone/>
+            </a:pPr>
+            <a:r>
+              <a:rPr b="1" lang="en" sz="3600">
+                <a:solidFill>
+                  <a:srgbClr val="FFFFFF"/>
+                </a:solidFill>
+                <a:latin typeface="Arial"/>
+                <a:ea typeface="Arial"/>
+                <a:cs typeface="Arial"/>
+                <a:sym typeface="Arial"/>
+              </a:rPr>
+              <a:t>Atomic Access</a:t>
+            </a:r>
+            <a:endParaRPr sz="3600">
+              <a:solidFill>
+                <a:srgbClr val="FFFFFF"/>
+              </a:solidFill>
+            </a:endParaRPr>
+          </a:p>
+        </p:txBody>
+      </p:sp>
+      <p:sp>
+        <p:nvSpPr>
+          <p:cNvPr id="147" name="Google Shape;147;p26"/>
+          <p:cNvSpPr txBox="1"/>
+          <p:nvPr>
+            <p:ph idx="4294967295" type="title"/>
+          </p:nvPr>
+        </p:nvSpPr>
+        <p:spPr>
+          <a:xfrm>
+            <a:off x="535775" y="1480150"/>
+            <a:ext cx="6649500" cy="1091700"/>
+          </a:xfrm>
+          <a:prstGeom prst="rect">
+            <a:avLst/>
+          </a:prstGeom>
+          <a:ln>
+            <a:noFill/>
+          </a:ln>
+        </p:spPr>
+        <p:txBody>
+          <a:bodyPr anchorCtr="0" anchor="t" bIns="91425" lIns="91425" spcFirstLastPara="1" rIns="91425" wrap="square" tIns="91425">
+            <a:noAutofit/>
+          </a:bodyPr>
+          <a:lstStyle/>
+          <a:p>
+            <a:pPr indent="0" lvl="0" marL="0" rtl="0" algn="just">
+              <a:lnSpc>
+                <a:spcPct val="115000"/>
+              </a:lnSpc>
+              <a:spcBef>
+                <a:spcPts val="0"/>
+              </a:spcBef>
+              <a:spcAft>
+                <a:spcPts val="1600"/>
+              </a:spcAft>
+              <a:buNone/>
+            </a:pPr>
+            <a:r>
+              <a:rPr lang="en" sz="1400">
+                <a:solidFill>
+                  <a:srgbClr val="FFFFFF"/>
+                </a:solidFill>
+                <a:latin typeface="Arial"/>
+                <a:ea typeface="Arial"/>
+                <a:cs typeface="Arial"/>
+                <a:sym typeface="Arial"/>
+              </a:rPr>
+              <a:t>Atomic action is one that effectively happens all at once. An atomic action cannot stop in the middle: it either happens completely, or it doesn't happen at all.</a:t>
+            </a:r>
+            <a:endParaRPr sz="1400">
+              <a:solidFill>
+                <a:srgbClr val="FFFFFF"/>
+              </a:solidFill>
+              <a:latin typeface="Arial"/>
+              <a:ea typeface="Arial"/>
+              <a:cs typeface="Arial"/>
+              <a:sym typeface="Arial"/>
+            </a:endParaRPr>
+          </a:p>
+        </p:txBody>
+      </p:sp>
+      <p:sp>
+        <p:nvSpPr>
+          <p:cNvPr id="148" name="Google Shape;148;p26"/>
+          <p:cNvSpPr txBox="1"/>
+          <p:nvPr>
+            <p:ph idx="4294967295" type="title"/>
+          </p:nvPr>
+        </p:nvSpPr>
+        <p:spPr>
+          <a:xfrm>
+            <a:off x="535775" y="2469450"/>
+            <a:ext cx="6649500" cy="2306700"/>
+          </a:xfrm>
+          <a:prstGeom prst="rect">
+            <a:avLst/>
+          </a:prstGeom>
+        </p:spPr>
+        <p:txBody>
+          <a:bodyPr anchorCtr="0" anchor="t" bIns="91425" lIns="91425" spcFirstLastPara="1" rIns="91425" wrap="square" tIns="91425">
+            <a:noAutofit/>
+          </a:bodyPr>
+          <a:lstStyle/>
+          <a:p>
+            <a:pPr indent="0" lvl="0" marL="0" rtl="0" algn="just">
+              <a:lnSpc>
+                <a:spcPct val="115000"/>
+              </a:lnSpc>
+              <a:spcBef>
+                <a:spcPts val="0"/>
+              </a:spcBef>
+              <a:spcAft>
+                <a:spcPts val="0"/>
+              </a:spcAft>
+              <a:buNone/>
+            </a:pPr>
+            <a:r>
+              <a:rPr lang="en" sz="1400">
+                <a:solidFill>
+                  <a:srgbClr val="FFFFFF"/>
+                </a:solidFill>
+                <a:latin typeface="Arial"/>
+                <a:ea typeface="Arial"/>
+                <a:cs typeface="Arial"/>
+                <a:sym typeface="Arial"/>
+              </a:rPr>
+              <a:t>Default Atomic Actions:</a:t>
+            </a:r>
+            <a:endParaRPr sz="1400">
+              <a:solidFill>
+                <a:srgbClr val="FFFFFF"/>
+              </a:solidFill>
+              <a:latin typeface="Arial"/>
+              <a:ea typeface="Arial"/>
+              <a:cs typeface="Arial"/>
+              <a:sym typeface="Arial"/>
+            </a:endParaRPr>
+          </a:p>
+          <a:p>
+            <a:pPr indent="-317500" lvl="0" marL="457200" rtl="0" algn="just">
+              <a:lnSpc>
+                <a:spcPct val="115000"/>
+              </a:lnSpc>
+              <a:spcBef>
+                <a:spcPts val="1600"/>
+              </a:spcBef>
+              <a:spcAft>
+                <a:spcPts val="0"/>
+              </a:spcAft>
+              <a:buClr>
+                <a:srgbClr val="FFFFFF"/>
+              </a:buClr>
+              <a:buSzPts val="1400"/>
+              <a:buFont typeface="Arial"/>
+              <a:buChar char="●"/>
+            </a:pPr>
+            <a:r>
+              <a:rPr lang="en" sz="1400">
+                <a:solidFill>
+                  <a:srgbClr val="FFFFFF"/>
+                </a:solidFill>
+                <a:latin typeface="Arial"/>
+                <a:ea typeface="Arial"/>
+                <a:cs typeface="Arial"/>
+                <a:sym typeface="Arial"/>
+              </a:rPr>
+              <a:t>Reads and writes for reference and most primitive variables (except long and double).</a:t>
+            </a:r>
+            <a:endParaRPr sz="1400">
+              <a:solidFill>
+                <a:srgbClr val="FFFFFF"/>
+              </a:solidFill>
+              <a:latin typeface="Arial"/>
+              <a:ea typeface="Arial"/>
+              <a:cs typeface="Arial"/>
+              <a:sym typeface="Arial"/>
+            </a:endParaRPr>
+          </a:p>
+          <a:p>
+            <a:pPr indent="-317500" lvl="0" marL="457200" rtl="0" algn="just">
+              <a:lnSpc>
+                <a:spcPct val="115000"/>
+              </a:lnSpc>
+              <a:spcBef>
+                <a:spcPts val="0"/>
+              </a:spcBef>
+              <a:spcAft>
+                <a:spcPts val="0"/>
+              </a:spcAft>
+              <a:buClr>
+                <a:srgbClr val="FFFFFF"/>
+              </a:buClr>
+              <a:buSzPts val="1400"/>
+              <a:buFont typeface="Arial"/>
+              <a:buChar char="●"/>
+            </a:pPr>
+            <a:r>
+              <a:rPr lang="en" sz="1400">
+                <a:solidFill>
+                  <a:srgbClr val="FFFFFF"/>
+                </a:solidFill>
+                <a:latin typeface="Arial"/>
+                <a:ea typeface="Arial"/>
+                <a:cs typeface="Arial"/>
+                <a:sym typeface="Arial"/>
+              </a:rPr>
+              <a:t>Reads and writes or all volatile </a:t>
+            </a:r>
+            <a:r>
+              <a:rPr lang="en" sz="1400">
+                <a:latin typeface="Arial"/>
+                <a:ea typeface="Arial"/>
+                <a:cs typeface="Arial"/>
+                <a:sym typeface="Arial"/>
+              </a:rPr>
+              <a:t>variables </a:t>
+            </a:r>
+            <a:r>
+              <a:rPr lang="en" sz="1400">
+                <a:solidFill>
+                  <a:srgbClr val="FFFFFF"/>
+                </a:solidFill>
+                <a:latin typeface="Arial"/>
+                <a:ea typeface="Arial"/>
+                <a:cs typeface="Arial"/>
+                <a:sym typeface="Arial"/>
+              </a:rPr>
+              <a:t>(</a:t>
+            </a:r>
+            <a:r>
+              <a:rPr lang="en" sz="1400">
+                <a:solidFill>
+                  <a:srgbClr val="FFFFFF"/>
+                </a:solidFill>
+                <a:latin typeface="Arial"/>
+                <a:ea typeface="Arial"/>
+                <a:cs typeface="Arial"/>
+                <a:sym typeface="Arial"/>
+              </a:rPr>
+              <a:t>including</a:t>
+            </a:r>
+            <a:r>
+              <a:rPr lang="en" sz="1400">
+                <a:solidFill>
+                  <a:srgbClr val="FFFFFF"/>
+                </a:solidFill>
+                <a:latin typeface="Arial"/>
+                <a:ea typeface="Arial"/>
+                <a:cs typeface="Arial"/>
+                <a:sym typeface="Arial"/>
+              </a:rPr>
+              <a:t> long and double).</a:t>
+            </a:r>
+            <a:endParaRPr sz="1400">
+              <a:solidFill>
+                <a:srgbClr val="FFFFFF"/>
+              </a:solidFill>
+              <a:latin typeface="Arial"/>
+              <a:ea typeface="Arial"/>
+              <a:cs typeface="Arial"/>
+              <a:sym typeface="Arial"/>
+            </a:endParaRPr>
+          </a:p>
+          <a:p>
+            <a:pPr indent="0" lvl="0" marL="0" rtl="0" algn="just">
+              <a:lnSpc>
+                <a:spcPct val="115000"/>
+              </a:lnSpc>
+              <a:spcBef>
+                <a:spcPts val="1600"/>
+              </a:spcBef>
+              <a:spcAft>
+                <a:spcPts val="0"/>
+              </a:spcAft>
+              <a:buNone/>
+            </a:pPr>
+            <a:r>
+              <a:rPr lang="en" sz="1400">
+                <a:solidFill>
+                  <a:srgbClr val="FFFFFF"/>
+                </a:solidFill>
+                <a:latin typeface="Arial"/>
+                <a:ea typeface="Arial"/>
+                <a:cs typeface="Arial"/>
+                <a:sym typeface="Arial"/>
+              </a:rPr>
+              <a:t>Atomic operation cannot interleaved but can have memory errors.</a:t>
+            </a:r>
+            <a:endParaRPr sz="1400">
+              <a:solidFill>
+                <a:srgbClr val="FFFFFF"/>
+              </a:solidFill>
+              <a:latin typeface="Arial"/>
+              <a:ea typeface="Arial"/>
+              <a:cs typeface="Arial"/>
+              <a:sym typeface="Arial"/>
+            </a:endParaRPr>
+          </a:p>
+          <a:p>
+            <a:pPr indent="0" lvl="0" marL="0" rtl="0" algn="just">
+              <a:lnSpc>
+                <a:spcPct val="115000"/>
+              </a:lnSpc>
+              <a:spcBef>
+                <a:spcPts val="1600"/>
+              </a:spcBef>
+              <a:spcAft>
+                <a:spcPts val="1600"/>
+              </a:spcAft>
+              <a:buNone/>
+            </a:pPr>
+            <a:r>
+              <a:t/>
+            </a:r>
+            <a:endParaRPr sz="1400">
+              <a:solidFill>
+                <a:srgbClr val="FFFFFF"/>
+              </a:solidFill>
+              <a:latin typeface="Arial"/>
+              <a:ea typeface="Arial"/>
+              <a:cs typeface="Arial"/>
+              <a:sym typeface="Arial"/>
+            </a:endParaRPr>
+          </a:p>
+        </p:txBody>
+      </p:sp>
+    </p:spTree>
+  </p:cSld>
+  <p:clrMapOvr>
+    <a:masterClrMapping/>
+  </p:clrMapOvr>
+</p:sld>
+</file>
+
+<file path=ppt/slides/slide13.xml><?xml version="1.0" encoding="utf-8"?>
+<p:sld xmlns:a="http://schemas.openxmlformats.org/drawingml/2006/main" xmlns:r="http://schemas.openxmlformats.org/officeDocument/2006/relationships" xmlns:mc="http://schemas.openxmlformats.org/markup-compatibility/2006" xmlns:mv="urn:schemas-microsoft-com:mac:vml" xmlns:p="http://schemas.openxmlformats.org/presentationml/2006/main" xmlns:c="http://schemas.openxmlformats.org/drawingml/2006/chart" xmlns:dgm="http://schemas.openxmlformats.org/drawingml/2006/diagram" xmlns:o="urn:schemas-microsoft-com:office:office" xmlns:v="urn:schemas-microsoft-com:vml" xmlns:pvml="urn:schemas-microsoft-com:office:powerpoint" xmlns:com="http://schemas.openxmlformats.org/drawingml/2006/compatibility" xmlns:p14="http://schemas.microsoft.com/office/powerpoint/2010/main" xmlns:p15="http://schemas.microsoft.com/office/powerpoint/2012/main">
+  <p:cSld>
+    <p:spTree>
+      <p:nvGrpSpPr>
+        <p:cNvPr id="152" name="Shape 152"/>
+        <p:cNvGrpSpPr/>
+        <p:nvPr/>
+      </p:nvGrpSpPr>
+      <p:grpSpPr>
+        <a:xfrm>
+          <a:off x="0" y="0"/>
+          <a:ext cx="0" cy="0"/>
+          <a:chOff x="0" y="0"/>
+          <a:chExt cx="0" cy="0"/>
+        </a:xfrm>
+      </p:grpSpPr>
+      <p:sp>
+        <p:nvSpPr>
+          <p:cNvPr id="153" name="Google Shape;153;p27"/>
+          <p:cNvSpPr txBox="1"/>
+          <p:nvPr>
+            <p:ph idx="4294967295" type="title"/>
+          </p:nvPr>
+        </p:nvSpPr>
+        <p:spPr>
+          <a:xfrm>
+            <a:off x="535775" y="489125"/>
+            <a:ext cx="7017900" cy="886500"/>
+          </a:xfrm>
+          <a:prstGeom prst="rect">
+            <a:avLst/>
+          </a:prstGeom>
+        </p:spPr>
+        <p:txBody>
+          <a:bodyPr anchorCtr="0" anchor="t" bIns="91425" lIns="91425" spcFirstLastPara="1" rIns="91425" wrap="square" tIns="91425">
+            <a:noAutofit/>
+          </a:bodyPr>
+          <a:lstStyle/>
+          <a:p>
+            <a:pPr indent="0" lvl="0" marL="0" rtl="0" algn="l">
+              <a:lnSpc>
+                <a:spcPct val="115000"/>
+              </a:lnSpc>
+              <a:spcBef>
+                <a:spcPts val="1200"/>
+              </a:spcBef>
+              <a:spcAft>
+                <a:spcPts val="200"/>
+              </a:spcAft>
+              <a:buNone/>
+            </a:pPr>
+            <a:r>
+              <a:rPr b="1" lang="en" sz="3600">
+                <a:solidFill>
+                  <a:srgbClr val="FFFFFF"/>
+                </a:solidFill>
+                <a:latin typeface="Arial"/>
+                <a:ea typeface="Arial"/>
+                <a:cs typeface="Arial"/>
+                <a:sym typeface="Arial"/>
+              </a:rPr>
+              <a:t>Liveness</a:t>
+            </a:r>
+            <a:endParaRPr sz="3600">
+              <a:solidFill>
+                <a:srgbClr val="FFFFFF"/>
+              </a:solidFill>
+            </a:endParaRPr>
+          </a:p>
+        </p:txBody>
+      </p:sp>
+      <p:sp>
+        <p:nvSpPr>
+          <p:cNvPr id="154" name="Google Shape;154;p27"/>
+          <p:cNvSpPr txBox="1"/>
+          <p:nvPr>
+            <p:ph idx="4294967295" type="title"/>
+          </p:nvPr>
+        </p:nvSpPr>
+        <p:spPr>
+          <a:xfrm>
+            <a:off x="535775" y="1480150"/>
+            <a:ext cx="6649500" cy="1091700"/>
+          </a:xfrm>
+          <a:prstGeom prst="rect">
+            <a:avLst/>
+          </a:prstGeom>
+          <a:ln>
+            <a:noFill/>
+          </a:ln>
+        </p:spPr>
+        <p:txBody>
+          <a:bodyPr anchorCtr="0" anchor="t" bIns="91425" lIns="91425" spcFirstLastPara="1" rIns="91425" wrap="square" tIns="91425">
+            <a:noAutofit/>
+          </a:bodyPr>
+          <a:lstStyle/>
+          <a:p>
+            <a:pPr indent="0" lvl="0" marL="0" rtl="0" algn="just">
+              <a:lnSpc>
+                <a:spcPct val="115000"/>
+              </a:lnSpc>
+              <a:spcBef>
+                <a:spcPts val="0"/>
+              </a:spcBef>
+              <a:spcAft>
+                <a:spcPts val="1600"/>
+              </a:spcAft>
+              <a:buNone/>
+            </a:pPr>
+            <a:r>
+              <a:rPr lang="en" sz="1400">
+                <a:solidFill>
+                  <a:srgbClr val="FFFFFF"/>
+                </a:solidFill>
+                <a:latin typeface="Arial"/>
+                <a:ea typeface="Arial"/>
+                <a:cs typeface="Arial"/>
+                <a:sym typeface="Arial"/>
+              </a:rPr>
+              <a:t>The ability of an application to operate in a timely manner.</a:t>
+            </a:r>
+            <a:endParaRPr sz="1400">
+              <a:solidFill>
+                <a:srgbClr val="FFFFFF"/>
+              </a:solidFill>
+              <a:latin typeface="Arial"/>
+              <a:ea typeface="Arial"/>
+              <a:cs typeface="Arial"/>
+              <a:sym typeface="Arial"/>
+            </a:endParaRPr>
+          </a:p>
+        </p:txBody>
+      </p:sp>
+      <p:sp>
+        <p:nvSpPr>
+          <p:cNvPr id="155" name="Google Shape;155;p27"/>
+          <p:cNvSpPr txBox="1"/>
+          <p:nvPr>
+            <p:ph idx="4294967295" type="title"/>
+          </p:nvPr>
+        </p:nvSpPr>
+        <p:spPr>
+          <a:xfrm>
+            <a:off x="535775" y="2469450"/>
+            <a:ext cx="6649500" cy="2306700"/>
+          </a:xfrm>
+          <a:prstGeom prst="rect">
+            <a:avLst/>
+          </a:prstGeom>
+        </p:spPr>
+        <p:txBody>
+          <a:bodyPr anchorCtr="0" anchor="t" bIns="91425" lIns="91425" spcFirstLastPara="1" rIns="91425" wrap="square" tIns="91425">
+            <a:noAutofit/>
+          </a:bodyPr>
+          <a:lstStyle/>
+          <a:p>
+            <a:pPr indent="0" lvl="0" marL="0" rtl="0" algn="just">
+              <a:lnSpc>
+                <a:spcPct val="115000"/>
+              </a:lnSpc>
+              <a:spcBef>
+                <a:spcPts val="0"/>
+              </a:spcBef>
+              <a:spcAft>
+                <a:spcPts val="0"/>
+              </a:spcAft>
+              <a:buNone/>
+            </a:pPr>
+            <a:r>
+              <a:rPr lang="en" sz="1400">
+                <a:solidFill>
+                  <a:srgbClr val="FFFFFF"/>
+                </a:solidFill>
+                <a:latin typeface="Arial"/>
+                <a:ea typeface="Arial"/>
+                <a:cs typeface="Arial"/>
+                <a:sym typeface="Arial"/>
+              </a:rPr>
+              <a:t>Most common liveness problem</a:t>
+            </a:r>
+            <a:r>
+              <a:rPr lang="en" sz="1400">
+                <a:solidFill>
+                  <a:srgbClr val="FFFFFF"/>
+                </a:solidFill>
+                <a:latin typeface="Arial"/>
+                <a:ea typeface="Arial"/>
+                <a:cs typeface="Arial"/>
+                <a:sym typeface="Arial"/>
+              </a:rPr>
+              <a:t>:</a:t>
+            </a:r>
+            <a:endParaRPr sz="1400">
+              <a:solidFill>
+                <a:srgbClr val="FFFFFF"/>
+              </a:solidFill>
+              <a:latin typeface="Arial"/>
+              <a:ea typeface="Arial"/>
+              <a:cs typeface="Arial"/>
+              <a:sym typeface="Arial"/>
+            </a:endParaRPr>
+          </a:p>
+          <a:p>
+            <a:pPr indent="-317500" lvl="0" marL="457200" rtl="0" algn="just">
+              <a:lnSpc>
+                <a:spcPct val="115000"/>
+              </a:lnSpc>
+              <a:spcBef>
+                <a:spcPts val="1600"/>
+              </a:spcBef>
+              <a:spcAft>
+                <a:spcPts val="0"/>
+              </a:spcAft>
+              <a:buClr>
+                <a:srgbClr val="FFFFFF"/>
+              </a:buClr>
+              <a:buSzPts val="1400"/>
+              <a:buFont typeface="Arial"/>
+              <a:buChar char="●"/>
+            </a:pPr>
+            <a:r>
+              <a:rPr lang="en" sz="1400">
+                <a:solidFill>
+                  <a:srgbClr val="FFFFFF"/>
+                </a:solidFill>
+                <a:latin typeface="Arial"/>
+                <a:ea typeface="Arial"/>
+                <a:cs typeface="Arial"/>
+                <a:sym typeface="Arial"/>
+              </a:rPr>
+              <a:t>Deadlock</a:t>
+            </a:r>
+            <a:endParaRPr sz="1400">
+              <a:solidFill>
+                <a:srgbClr val="FFFFFF"/>
+              </a:solidFill>
+              <a:latin typeface="Arial"/>
+              <a:ea typeface="Arial"/>
+              <a:cs typeface="Arial"/>
+              <a:sym typeface="Arial"/>
+            </a:endParaRPr>
+          </a:p>
+          <a:p>
+            <a:pPr indent="-317500" lvl="0" marL="457200" rtl="0" algn="just">
+              <a:lnSpc>
+                <a:spcPct val="115000"/>
+              </a:lnSpc>
+              <a:spcBef>
+                <a:spcPts val="0"/>
+              </a:spcBef>
+              <a:spcAft>
+                <a:spcPts val="0"/>
+              </a:spcAft>
+              <a:buClr>
+                <a:srgbClr val="FFFFFF"/>
+              </a:buClr>
+              <a:buSzPts val="1400"/>
+              <a:buFont typeface="Arial"/>
+              <a:buChar char="●"/>
+            </a:pPr>
+            <a:r>
+              <a:rPr lang="en" sz="1400">
+                <a:solidFill>
+                  <a:srgbClr val="FFFFFF"/>
+                </a:solidFill>
+                <a:latin typeface="Arial"/>
+                <a:ea typeface="Arial"/>
+                <a:cs typeface="Arial"/>
+                <a:sym typeface="Arial"/>
+              </a:rPr>
+              <a:t>Starvation and livelock</a:t>
+            </a:r>
+            <a:endParaRPr sz="1400">
+              <a:solidFill>
+                <a:srgbClr val="FFFFFF"/>
+              </a:solidFill>
+              <a:latin typeface="Arial"/>
+              <a:ea typeface="Arial"/>
+              <a:cs typeface="Arial"/>
+              <a:sym typeface="Arial"/>
+            </a:endParaRPr>
+          </a:p>
+          <a:p>
+            <a:pPr indent="0" lvl="0" marL="0" rtl="0" algn="just">
+              <a:lnSpc>
+                <a:spcPct val="115000"/>
+              </a:lnSpc>
+              <a:spcBef>
+                <a:spcPts val="1600"/>
+              </a:spcBef>
+              <a:spcAft>
+                <a:spcPts val="1600"/>
+              </a:spcAft>
+              <a:buNone/>
+            </a:pPr>
+            <a:r>
+              <a:t/>
+            </a:r>
+            <a:endParaRPr sz="1400">
+              <a:solidFill>
+                <a:srgbClr val="FFFFFF"/>
+              </a:solidFill>
+              <a:latin typeface="Arial"/>
+              <a:ea typeface="Arial"/>
+              <a:cs typeface="Arial"/>
+              <a:sym typeface="Arial"/>
+            </a:endParaRPr>
+          </a:p>
+        </p:txBody>
+      </p:sp>
+    </p:spTree>
+  </p:cSld>
+  <p:clrMapOvr>
+    <a:masterClrMapping/>
+  </p:clrMapOvr>
+</p:sld>
+</file>
+
+<file path=ppt/slides/slide14.xml><?xml version="1.0" encoding="utf-8"?>
+<p:sld xmlns:a="http://schemas.openxmlformats.org/drawingml/2006/main" xmlns:r="http://schemas.openxmlformats.org/officeDocument/2006/relationships" xmlns:mc="http://schemas.openxmlformats.org/markup-compatibility/2006" xmlns:mv="urn:schemas-microsoft-com:mac:vml" xmlns:p="http://schemas.openxmlformats.org/presentationml/2006/main" xmlns:c="http://schemas.openxmlformats.org/drawingml/2006/chart" xmlns:dgm="http://schemas.openxmlformats.org/drawingml/2006/diagram" xmlns:o="urn:schemas-microsoft-com:office:office" xmlns:v="urn:schemas-microsoft-com:vml" xmlns:pvml="urn:schemas-microsoft-com:office:powerpoint" xmlns:com="http://schemas.openxmlformats.org/drawingml/2006/compatibility" xmlns:p14="http://schemas.microsoft.com/office/powerpoint/2010/main" xmlns:p15="http://schemas.microsoft.com/office/powerpoint/2012/main">
+  <p:cSld>
+    <p:spTree>
+      <p:nvGrpSpPr>
+        <p:cNvPr id="159" name="Shape 159"/>
+        <p:cNvGrpSpPr/>
+        <p:nvPr/>
+      </p:nvGrpSpPr>
+      <p:grpSpPr>
+        <a:xfrm>
+          <a:off x="0" y="0"/>
+          <a:ext cx="0" cy="0"/>
+          <a:chOff x="0" y="0"/>
+          <a:chExt cx="0" cy="0"/>
+        </a:xfrm>
+      </p:grpSpPr>
+      <p:sp>
+        <p:nvSpPr>
+          <p:cNvPr id="160" name="Google Shape;160;p28"/>
+          <p:cNvSpPr txBox="1"/>
+          <p:nvPr>
+            <p:ph idx="4294967295" type="title"/>
+          </p:nvPr>
+        </p:nvSpPr>
+        <p:spPr>
+          <a:xfrm>
+            <a:off x="535775" y="489125"/>
+            <a:ext cx="7017900" cy="886500"/>
+          </a:xfrm>
+          <a:prstGeom prst="rect">
+            <a:avLst/>
+          </a:prstGeom>
+        </p:spPr>
+        <p:txBody>
+          <a:bodyPr anchorCtr="0" anchor="t" bIns="91425" lIns="91425" spcFirstLastPara="1" rIns="91425" wrap="square" tIns="91425">
+            <a:noAutofit/>
+          </a:bodyPr>
+          <a:lstStyle/>
+          <a:p>
+            <a:pPr indent="0" lvl="0" marL="0" rtl="0" algn="l">
+              <a:lnSpc>
+                <a:spcPct val="115000"/>
+              </a:lnSpc>
+              <a:spcBef>
+                <a:spcPts val="1200"/>
+              </a:spcBef>
+              <a:spcAft>
+                <a:spcPts val="200"/>
+              </a:spcAft>
+              <a:buNone/>
+            </a:pPr>
+            <a:r>
+              <a:rPr b="1" lang="en" sz="3600">
+                <a:solidFill>
+                  <a:srgbClr val="FFFFFF"/>
+                </a:solidFill>
+                <a:latin typeface="Arial"/>
+                <a:ea typeface="Arial"/>
+                <a:cs typeface="Arial"/>
+                <a:sym typeface="Arial"/>
+              </a:rPr>
+              <a:t>Deadlock</a:t>
+            </a:r>
+            <a:endParaRPr sz="3600">
+              <a:solidFill>
+                <a:srgbClr val="FFFFFF"/>
+              </a:solidFill>
+            </a:endParaRPr>
+          </a:p>
+        </p:txBody>
+      </p:sp>
+      <p:sp>
+        <p:nvSpPr>
+          <p:cNvPr id="161" name="Google Shape;161;p28"/>
+          <p:cNvSpPr txBox="1"/>
+          <p:nvPr>
+            <p:ph idx="4294967295" type="title"/>
+          </p:nvPr>
+        </p:nvSpPr>
+        <p:spPr>
+          <a:xfrm>
+            <a:off x="535775" y="1480150"/>
+            <a:ext cx="6649500" cy="718500"/>
+          </a:xfrm>
+          <a:prstGeom prst="rect">
+            <a:avLst/>
+          </a:prstGeom>
+          <a:ln>
+            <a:noFill/>
+          </a:ln>
+        </p:spPr>
+        <p:txBody>
+          <a:bodyPr anchorCtr="0" anchor="t" bIns="91425" lIns="91425" spcFirstLastPara="1" rIns="91425" wrap="square" tIns="91425">
+            <a:noAutofit/>
+          </a:bodyPr>
+          <a:lstStyle/>
+          <a:p>
+            <a:pPr indent="0" lvl="0" marL="0" rtl="0" algn="just">
+              <a:lnSpc>
+                <a:spcPct val="115000"/>
+              </a:lnSpc>
+              <a:spcBef>
+                <a:spcPts val="0"/>
+              </a:spcBef>
+              <a:spcAft>
+                <a:spcPts val="1600"/>
+              </a:spcAft>
+              <a:buNone/>
+            </a:pPr>
+            <a:r>
+              <a:rPr lang="en" sz="1400">
+                <a:solidFill>
+                  <a:srgbClr val="FFFFFF"/>
+                </a:solidFill>
+                <a:latin typeface="Arial"/>
+                <a:ea typeface="Arial"/>
+                <a:cs typeface="Arial"/>
+                <a:sym typeface="Arial"/>
+              </a:rPr>
+              <a:t>Deadlock means two or more threads are blocked forever, waiting for resources from each other. (Ex. required)</a:t>
+            </a:r>
+            <a:endParaRPr sz="1400">
+              <a:solidFill>
+                <a:srgbClr val="FFFFFF"/>
+              </a:solidFill>
+              <a:latin typeface="Arial"/>
+              <a:ea typeface="Arial"/>
+              <a:cs typeface="Arial"/>
+              <a:sym typeface="Arial"/>
+            </a:endParaRPr>
+          </a:p>
+        </p:txBody>
+      </p:sp>
+      <p:pic>
+        <p:nvPicPr>
+          <p:cNvPr id="162" name="Google Shape;162;p28"/>
+          <p:cNvPicPr preferRelativeResize="0"/>
+          <p:nvPr/>
+        </p:nvPicPr>
+        <p:blipFill>
+          <a:blip r:embed="rId3">
+            <a:alphaModFix/>
+          </a:blip>
+          <a:stretch>
+            <a:fillRect/>
+          </a:stretch>
+        </p:blipFill>
+        <p:spPr>
+          <a:xfrm>
+            <a:off x="535775" y="2410150"/>
+            <a:ext cx="3574647" cy="2266850"/>
+          </a:xfrm>
+          <a:prstGeom prst="rect">
+            <a:avLst/>
+          </a:prstGeom>
+          <a:noFill/>
+          <a:ln>
+            <a:noFill/>
+          </a:ln>
+        </p:spPr>
+      </p:pic>
+      <p:pic>
+        <p:nvPicPr>
+          <p:cNvPr id="163" name="Google Shape;163;p28"/>
+          <p:cNvPicPr preferRelativeResize="0"/>
+          <p:nvPr/>
+        </p:nvPicPr>
+        <p:blipFill>
+          <a:blip r:embed="rId4">
+            <a:alphaModFix/>
+          </a:blip>
+          <a:stretch>
+            <a:fillRect/>
+          </a:stretch>
+        </p:blipFill>
+        <p:spPr>
+          <a:xfrm>
+            <a:off x="4302097" y="2410150"/>
+            <a:ext cx="3188159" cy="2266850"/>
+          </a:xfrm>
+          <a:prstGeom prst="rect">
+            <a:avLst/>
+          </a:prstGeom>
+          <a:noFill/>
+          <a:ln>
+            <a:noFill/>
+          </a:ln>
+        </p:spPr>
+      </p:pic>
+    </p:spTree>
+  </p:cSld>
+  <p:clrMapOvr>
+    <a:masterClrMapping/>
+  </p:clrMapOvr>
+</p:sld>
+</file>
+
+<file path=ppt/slides/slide15.xml><?xml version="1.0" encoding="utf-8"?>
+<p:sld xmlns:a="http://schemas.openxmlformats.org/drawingml/2006/main" xmlns:r="http://schemas.openxmlformats.org/officeDocument/2006/relationships" xmlns:mc="http://schemas.openxmlformats.org/markup-compatibility/2006" xmlns:mv="urn:schemas-microsoft-com:mac:vml" xmlns:p="http://schemas.openxmlformats.org/presentationml/2006/main" xmlns:c="http://schemas.openxmlformats.org/drawingml/2006/chart" xmlns:dgm="http://schemas.openxmlformats.org/drawingml/2006/diagram" xmlns:o="urn:schemas-microsoft-com:office:office" xmlns:v="urn:schemas-microsoft-com:vml" xmlns:pvml="urn:schemas-microsoft-com:office:powerpoint" xmlns:com="http://schemas.openxmlformats.org/drawingml/2006/compatibility" xmlns:p14="http://schemas.microsoft.com/office/powerpoint/2010/main" xmlns:p15="http://schemas.microsoft.com/office/powerpoint/2012/main">
+  <p:cSld>
+    <p:spTree>
+      <p:nvGrpSpPr>
+        <p:cNvPr id="167" name="Shape 167"/>
+        <p:cNvGrpSpPr/>
+        <p:nvPr/>
+      </p:nvGrpSpPr>
+      <p:grpSpPr>
+        <a:xfrm>
+          <a:off x="0" y="0"/>
+          <a:ext cx="0" cy="0"/>
+          <a:chOff x="0" y="0"/>
+          <a:chExt cx="0" cy="0"/>
+        </a:xfrm>
+      </p:grpSpPr>
+      <p:sp>
+        <p:nvSpPr>
+          <p:cNvPr id="168" name="Google Shape;168;p29"/>
+          <p:cNvSpPr txBox="1"/>
+          <p:nvPr>
+            <p:ph idx="4294967295" type="title"/>
+          </p:nvPr>
+        </p:nvSpPr>
+        <p:spPr>
+          <a:xfrm>
+            <a:off x="535775" y="489125"/>
+            <a:ext cx="7017900" cy="886500"/>
+          </a:xfrm>
+          <a:prstGeom prst="rect">
+            <a:avLst/>
+          </a:prstGeom>
+        </p:spPr>
+        <p:txBody>
+          <a:bodyPr anchorCtr="0" anchor="t" bIns="91425" lIns="91425" spcFirstLastPara="1" rIns="91425" wrap="square" tIns="91425">
+            <a:noAutofit/>
+          </a:bodyPr>
+          <a:lstStyle/>
+          <a:p>
+            <a:pPr indent="0" lvl="0" marL="0" rtl="0" algn="l">
+              <a:lnSpc>
+                <a:spcPct val="115000"/>
+              </a:lnSpc>
+              <a:spcBef>
+                <a:spcPts val="1200"/>
+              </a:spcBef>
+              <a:spcAft>
+                <a:spcPts val="200"/>
+              </a:spcAft>
+              <a:buNone/>
+            </a:pPr>
+            <a:r>
+              <a:rPr b="1" lang="en" sz="3600">
+                <a:solidFill>
+                  <a:srgbClr val="FFFFFF"/>
+                </a:solidFill>
+                <a:latin typeface="Arial"/>
+                <a:ea typeface="Arial"/>
+                <a:cs typeface="Arial"/>
+                <a:sym typeface="Arial"/>
+              </a:rPr>
+              <a:t>Starvation and Livelock</a:t>
+            </a:r>
+            <a:endParaRPr sz="3600">
+              <a:solidFill>
+                <a:srgbClr val="FFFFFF"/>
+              </a:solidFill>
+            </a:endParaRPr>
+          </a:p>
+        </p:txBody>
+      </p:sp>
+      <p:sp>
+        <p:nvSpPr>
+          <p:cNvPr id="169" name="Google Shape;169;p29"/>
+          <p:cNvSpPr txBox="1"/>
+          <p:nvPr>
+            <p:ph idx="4294967295" type="title"/>
+          </p:nvPr>
+        </p:nvSpPr>
+        <p:spPr>
+          <a:xfrm>
+            <a:off x="535775" y="1480150"/>
+            <a:ext cx="6649500" cy="1091700"/>
+          </a:xfrm>
+          <a:prstGeom prst="rect">
+            <a:avLst/>
+          </a:prstGeom>
+          <a:ln>
+            <a:noFill/>
+          </a:ln>
+        </p:spPr>
+        <p:txBody>
+          <a:bodyPr anchorCtr="0" anchor="t" bIns="91425" lIns="91425" spcFirstLastPara="1" rIns="91425" wrap="square" tIns="91425">
+            <a:noAutofit/>
+          </a:bodyPr>
+          <a:lstStyle/>
+          <a:p>
+            <a:pPr indent="0" lvl="0" marL="0" rtl="0" algn="just">
+              <a:lnSpc>
+                <a:spcPct val="115000"/>
+              </a:lnSpc>
+              <a:spcBef>
+                <a:spcPts val="0"/>
+              </a:spcBef>
+              <a:spcAft>
+                <a:spcPts val="0"/>
+              </a:spcAft>
+              <a:buNone/>
+            </a:pPr>
+            <a:r>
+              <a:rPr lang="en" sz="1400">
+                <a:solidFill>
+                  <a:srgbClr val="FFFFFF"/>
+                </a:solidFill>
+                <a:latin typeface="Arial"/>
+                <a:ea typeface="Arial"/>
+                <a:cs typeface="Arial"/>
+                <a:sym typeface="Arial"/>
+              </a:rPr>
+              <a:t>Starvation:</a:t>
+            </a:r>
+            <a:endParaRPr sz="1400">
+              <a:solidFill>
+                <a:srgbClr val="FFFFFF"/>
+              </a:solidFill>
+              <a:latin typeface="Arial"/>
+              <a:ea typeface="Arial"/>
+              <a:cs typeface="Arial"/>
+              <a:sym typeface="Arial"/>
+            </a:endParaRPr>
+          </a:p>
+          <a:p>
+            <a:pPr indent="0" lvl="0" marL="0" rtl="0" algn="just">
+              <a:lnSpc>
+                <a:spcPct val="115000"/>
+              </a:lnSpc>
+              <a:spcBef>
+                <a:spcPts val="1600"/>
+              </a:spcBef>
+              <a:spcAft>
+                <a:spcPts val="1600"/>
+              </a:spcAft>
+              <a:buNone/>
+            </a:pPr>
+            <a:r>
+              <a:rPr lang="en" sz="1400">
+                <a:solidFill>
+                  <a:srgbClr val="FFFFFF"/>
+                </a:solidFill>
+                <a:latin typeface="Arial"/>
+                <a:ea typeface="Arial"/>
+                <a:cs typeface="Arial"/>
+                <a:sym typeface="Arial"/>
+              </a:rPr>
+              <a:t>This happens when shared resources are made unavailable for long periods by "greedy" threads. For example (e.g synchronized that take long time)</a:t>
+            </a:r>
+            <a:endParaRPr sz="1400">
+              <a:solidFill>
+                <a:srgbClr val="FFFFFF"/>
+              </a:solidFill>
+              <a:latin typeface="Arial"/>
+              <a:ea typeface="Arial"/>
+              <a:cs typeface="Arial"/>
+              <a:sym typeface="Arial"/>
+            </a:endParaRPr>
+          </a:p>
+        </p:txBody>
+      </p:sp>
+      <p:sp>
+        <p:nvSpPr>
+          <p:cNvPr id="170" name="Google Shape;170;p29"/>
+          <p:cNvSpPr txBox="1"/>
+          <p:nvPr>
+            <p:ph idx="4294967295" type="title"/>
+          </p:nvPr>
+        </p:nvSpPr>
+        <p:spPr>
+          <a:xfrm>
+            <a:off x="535775" y="2807350"/>
+            <a:ext cx="6649500" cy="1433100"/>
+          </a:xfrm>
+          <a:prstGeom prst="rect">
+            <a:avLst/>
+          </a:prstGeom>
+          <a:ln>
+            <a:noFill/>
+          </a:ln>
+        </p:spPr>
+        <p:txBody>
+          <a:bodyPr anchorCtr="0" anchor="t" bIns="91425" lIns="91425" spcFirstLastPara="1" rIns="91425" wrap="square" tIns="91425">
+            <a:noAutofit/>
+          </a:bodyPr>
+          <a:lstStyle/>
+          <a:p>
+            <a:pPr indent="0" lvl="0" marL="0" rtl="0" algn="just">
+              <a:lnSpc>
+                <a:spcPct val="115000"/>
+              </a:lnSpc>
+              <a:spcBef>
+                <a:spcPts val="0"/>
+              </a:spcBef>
+              <a:spcAft>
+                <a:spcPts val="0"/>
+              </a:spcAft>
+              <a:buNone/>
+            </a:pPr>
+            <a:r>
+              <a:rPr lang="en" sz="1400">
+                <a:solidFill>
+                  <a:srgbClr val="FFFFFF"/>
+                </a:solidFill>
+                <a:latin typeface="Arial"/>
+                <a:ea typeface="Arial"/>
+                <a:cs typeface="Arial"/>
+                <a:sym typeface="Arial"/>
+              </a:rPr>
+              <a:t>Livelock</a:t>
+            </a:r>
+            <a:r>
+              <a:rPr lang="en" sz="1400">
+                <a:solidFill>
+                  <a:srgbClr val="FFFFFF"/>
+                </a:solidFill>
+                <a:latin typeface="Arial"/>
+                <a:ea typeface="Arial"/>
+                <a:cs typeface="Arial"/>
+                <a:sym typeface="Arial"/>
+              </a:rPr>
+              <a:t>:</a:t>
+            </a:r>
+            <a:endParaRPr sz="1400">
+              <a:solidFill>
+                <a:srgbClr val="FFFFFF"/>
+              </a:solidFill>
+              <a:latin typeface="Arial"/>
+              <a:ea typeface="Arial"/>
+              <a:cs typeface="Arial"/>
+              <a:sym typeface="Arial"/>
+            </a:endParaRPr>
+          </a:p>
+          <a:p>
+            <a:pPr indent="0" lvl="0" marL="0" rtl="0" algn="just">
+              <a:lnSpc>
+                <a:spcPct val="115000"/>
+              </a:lnSpc>
+              <a:spcBef>
+                <a:spcPts val="1600"/>
+              </a:spcBef>
+              <a:spcAft>
+                <a:spcPts val="1600"/>
+              </a:spcAft>
+              <a:buNone/>
+            </a:pPr>
+            <a:r>
+              <a:rPr lang="en" sz="1400">
+                <a:solidFill>
+                  <a:srgbClr val="FFFFFF"/>
+                </a:solidFill>
+                <a:latin typeface="Arial"/>
+                <a:ea typeface="Arial"/>
+                <a:cs typeface="Arial"/>
+                <a:sym typeface="Arial"/>
+              </a:rPr>
+              <a:t>L</a:t>
+            </a:r>
+            <a:r>
+              <a:rPr lang="en" sz="1400">
+                <a:solidFill>
+                  <a:srgbClr val="FFFFFF"/>
+                </a:solidFill>
+                <a:latin typeface="Arial"/>
+                <a:ea typeface="Arial"/>
+                <a:cs typeface="Arial"/>
+                <a:sym typeface="Arial"/>
+              </a:rPr>
+              <a:t>ivelocked threads are unable to make further progress. However, the threads are not blocked — they are simply too busy responding to each other to resume work (e.g. two people trying to pass each other in a corridor).</a:t>
+            </a:r>
+            <a:endParaRPr sz="1400">
+              <a:solidFill>
+                <a:srgbClr val="FFFFFF"/>
+              </a:solidFill>
+              <a:latin typeface="Arial"/>
+              <a:ea typeface="Arial"/>
+              <a:cs typeface="Arial"/>
+              <a:sym typeface="Arial"/>
+            </a:endParaRPr>
+          </a:p>
+        </p:txBody>
+      </p:sp>
+    </p:spTree>
+  </p:cSld>
+  <p:clrMapOvr>
+    <a:masterClrMapping/>
+  </p:clrMapOvr>
+</p:sld>
+</file>
+
 <file path=ppt/slides/slide2.xml><?xml version="1.0" encoding="utf-8"?>
 <p:sld xmlns:a="http://schemas.openxmlformats.org/drawingml/2006/main" xmlns:r="http://schemas.openxmlformats.org/officeDocument/2006/relationships" xmlns:mc="http://schemas.openxmlformats.org/markup-compatibility/2006" xmlns:mv="urn:schemas-microsoft-com:mac:vml" xmlns:p="http://schemas.openxmlformats.org/presentationml/2006/main" xmlns:c="http://schemas.openxmlformats.org/drawingml/2006/chart" xmlns:dgm="http://schemas.openxmlformats.org/drawingml/2006/diagram" xmlns:o="urn:schemas-microsoft-com:office:office" xmlns:v="urn:schemas-microsoft-com:vml" xmlns:pvml="urn:schemas-microsoft-com:office:powerpoint" xmlns:com="http://schemas.openxmlformats.org/drawingml/2006/compatibility" xmlns:p14="http://schemas.microsoft.com/office/powerpoint/2010/main" xmlns:p15="http://schemas.microsoft.com/office/powerpoint/2012/main">
   <p:cSld>
@@ -11039,44 +12641,44 @@
 </file>
 
 <file path=ppt/theme/theme1.xml><?xml version="1.0" encoding="utf-8"?>
-<a:theme xmlns:a="http://schemas.openxmlformats.org/drawingml/2006/main" xmlns:r="http://schemas.openxmlformats.org/officeDocument/2006/relationships">
+<a:theme xmlns:a="http://schemas.openxmlformats.org/drawingml/2006/main" xmlns:r="http://schemas.openxmlformats.org/officeDocument/2006/relationships" name="Marina">
   <a:themeElements>
-    <a:clrScheme name="Default">
+    <a:clrScheme name="Marina">
       <a:dk1>
-        <a:srgbClr val="000000"/>
+        <a:srgbClr val="FFFFFF"/>
       </a:dk1>
       <a:lt1>
-        <a:srgbClr val="FFFFFF"/>
+        <a:srgbClr val="00517C"/>
       </a:lt1>
       <a:dk2>
-        <a:srgbClr val="158158"/>
+        <a:srgbClr val="004065"/>
       </a:dk2>
       <a:lt2>
-        <a:srgbClr val="F3F3F3"/>
+        <a:srgbClr val="CFD8DC"/>
       </a:lt2>
       <a:accent1>
-        <a:srgbClr val="058DC7"/>
+        <a:srgbClr val="0277BD"/>
       </a:accent1>
       <a:accent2>
-        <a:srgbClr val="50B432"/>
+        <a:srgbClr val="558B2F"/>
       </a:accent2>
       <a:accent3>
-        <a:srgbClr val="ED561B"/>
+        <a:srgbClr val="009688"/>
       </a:accent3>
       <a:accent4>
-        <a:srgbClr val="EDEF00"/>
+        <a:srgbClr val="039BE5"/>
       </a:accent4>
       <a:accent5>
-        <a:srgbClr val="24CBE5"/>
+        <a:srgbClr val="8BC34A"/>
       </a:accent5>
       <a:accent6>
-        <a:srgbClr val="64E572"/>
+        <a:srgbClr val="FFEB38"/>
       </a:accent6>
       <a:hlink>
-        <a:srgbClr val="2200CC"/>
+        <a:srgbClr val="8BC34A"/>
       </a:hlink>
       <a:folHlink>
-        <a:srgbClr val="551A8B"/>
+        <a:srgbClr val="8BC34A"/>
       </a:folHlink>
     </a:clrScheme>
     <a:fontScheme name="Office">
@@ -11318,44 +12920,44 @@
 </file>
 
 <file path=ppt/theme/theme2.xml><?xml version="1.0" encoding="utf-8"?>
-<a:theme xmlns:a="http://schemas.openxmlformats.org/drawingml/2006/main" xmlns:r="http://schemas.openxmlformats.org/officeDocument/2006/relationships" name="Marina">
+<a:theme xmlns:a="http://schemas.openxmlformats.org/drawingml/2006/main" xmlns:r="http://schemas.openxmlformats.org/officeDocument/2006/relationships">
   <a:themeElements>
-    <a:clrScheme name="Marina">
+    <a:clrScheme name="Default">
       <a:dk1>
-        <a:srgbClr val="FFFFFF"/>
+        <a:srgbClr val="000000"/>
       </a:dk1>
       <a:lt1>
-        <a:srgbClr val="00517C"/>
+        <a:srgbClr val="FFFFFF"/>
       </a:lt1>
       <a:dk2>
-        <a:srgbClr val="004065"/>
+        <a:srgbClr val="158158"/>
       </a:dk2>
       <a:lt2>
-        <a:srgbClr val="CFD8DC"/>
+        <a:srgbClr val="F3F3F3"/>
       </a:lt2>
       <a:accent1>
-        <a:srgbClr val="0277BD"/>
+        <a:srgbClr val="058DC7"/>
       </a:accent1>
       <a:accent2>
-        <a:srgbClr val="558B2F"/>
+        <a:srgbClr val="50B432"/>
       </a:accent2>
       <a:accent3>
-        <a:srgbClr val="009688"/>
+        <a:srgbClr val="ED561B"/>
       </a:accent3>
       <a:accent4>
-        <a:srgbClr val="039BE5"/>
+        <a:srgbClr val="EDEF00"/>
       </a:accent4>
       <a:accent5>
-        <a:srgbClr val="8BC34A"/>
+        <a:srgbClr val="24CBE5"/>
       </a:accent5>
       <a:accent6>
-        <a:srgbClr val="FFEB38"/>
+        <a:srgbClr val="64E572"/>
       </a:accent6>
       <a:hlink>
-        <a:srgbClr val="8BC34A"/>
+        <a:srgbClr val="2200CC"/>
       </a:hlink>
       <a:folHlink>
-        <a:srgbClr val="8BC34A"/>
+        <a:srgbClr val="551A8B"/>
       </a:folHlink>
     </a:clrScheme>
     <a:fontScheme name="Office">
